--- a/elsarticle/Images/Flowchart.pptx
+++ b/elsarticle/Images/Flowchart.pptx
@@ -246,7 +246,7 @@
           <a:p>
             <a:fld id="{BBFE1BF1-1BF0-2D42-A01C-EF5FB790A6FA}" type="datetimeFigureOut">
               <a:rPr lang="en-US" smtClean="0"/>
-              <a:t>11/18/15</a:t>
+              <a:t>11/30/15</a:t>
             </a:fld>
             <a:endParaRPr lang="en-US"/>
           </a:p>
@@ -416,7 +416,7 @@
           <a:p>
             <a:fld id="{BBFE1BF1-1BF0-2D42-A01C-EF5FB790A6FA}" type="datetimeFigureOut">
               <a:rPr lang="en-US" smtClean="0"/>
-              <a:t>11/18/15</a:t>
+              <a:t>11/30/15</a:t>
             </a:fld>
             <a:endParaRPr lang="en-US"/>
           </a:p>
@@ -596,7 +596,7 @@
           <a:p>
             <a:fld id="{BBFE1BF1-1BF0-2D42-A01C-EF5FB790A6FA}" type="datetimeFigureOut">
               <a:rPr lang="en-US" smtClean="0"/>
-              <a:t>11/18/15</a:t>
+              <a:t>11/30/15</a:t>
             </a:fld>
             <a:endParaRPr lang="en-US"/>
           </a:p>
@@ -766,7 +766,7 @@
           <a:p>
             <a:fld id="{BBFE1BF1-1BF0-2D42-A01C-EF5FB790A6FA}" type="datetimeFigureOut">
               <a:rPr lang="en-US" smtClean="0"/>
-              <a:t>11/18/15</a:t>
+              <a:t>11/30/15</a:t>
             </a:fld>
             <a:endParaRPr lang="en-US"/>
           </a:p>
@@ -1012,7 +1012,7 @@
           <a:p>
             <a:fld id="{BBFE1BF1-1BF0-2D42-A01C-EF5FB790A6FA}" type="datetimeFigureOut">
               <a:rPr lang="en-US" smtClean="0"/>
-              <a:t>11/18/15</a:t>
+              <a:t>11/30/15</a:t>
             </a:fld>
             <a:endParaRPr lang="en-US"/>
           </a:p>
@@ -1244,7 +1244,7 @@
           <a:p>
             <a:fld id="{BBFE1BF1-1BF0-2D42-A01C-EF5FB790A6FA}" type="datetimeFigureOut">
               <a:rPr lang="en-US" smtClean="0"/>
-              <a:t>11/18/15</a:t>
+              <a:t>11/30/15</a:t>
             </a:fld>
             <a:endParaRPr lang="en-US"/>
           </a:p>
@@ -1611,7 +1611,7 @@
           <a:p>
             <a:fld id="{BBFE1BF1-1BF0-2D42-A01C-EF5FB790A6FA}" type="datetimeFigureOut">
               <a:rPr lang="en-US" smtClean="0"/>
-              <a:t>11/18/15</a:t>
+              <a:t>11/30/15</a:t>
             </a:fld>
             <a:endParaRPr lang="en-US"/>
           </a:p>
@@ -1729,7 +1729,7 @@
           <a:p>
             <a:fld id="{BBFE1BF1-1BF0-2D42-A01C-EF5FB790A6FA}" type="datetimeFigureOut">
               <a:rPr lang="en-US" smtClean="0"/>
-              <a:t>11/18/15</a:t>
+              <a:t>11/30/15</a:t>
             </a:fld>
             <a:endParaRPr lang="en-US"/>
           </a:p>
@@ -1824,7 +1824,7 @@
           <a:p>
             <a:fld id="{BBFE1BF1-1BF0-2D42-A01C-EF5FB790A6FA}" type="datetimeFigureOut">
               <a:rPr lang="en-US" smtClean="0"/>
-              <a:t>11/18/15</a:t>
+              <a:t>11/30/15</a:t>
             </a:fld>
             <a:endParaRPr lang="en-US"/>
           </a:p>
@@ -2101,7 +2101,7 @@
           <a:p>
             <a:fld id="{BBFE1BF1-1BF0-2D42-A01C-EF5FB790A6FA}" type="datetimeFigureOut">
               <a:rPr lang="en-US" smtClean="0"/>
-              <a:t>11/18/15</a:t>
+              <a:t>11/30/15</a:t>
             </a:fld>
             <a:endParaRPr lang="en-US"/>
           </a:p>
@@ -2354,7 +2354,7 @@
           <a:p>
             <a:fld id="{BBFE1BF1-1BF0-2D42-A01C-EF5FB790A6FA}" type="datetimeFigureOut">
               <a:rPr lang="en-US" smtClean="0"/>
-              <a:t>11/18/15</a:t>
+              <a:t>11/30/15</a:t>
             </a:fld>
             <a:endParaRPr lang="en-US"/>
           </a:p>
@@ -2567,7 +2567,7 @@
           <a:p>
             <a:fld id="{BBFE1BF1-1BF0-2D42-A01C-EF5FB790A6FA}" type="datetimeFigureOut">
               <a:rPr lang="en-US" smtClean="0"/>
-              <a:t>11/18/15</a:t>
+              <a:t>11/30/15</a:t>
             </a:fld>
             <a:endParaRPr lang="en-US"/>
           </a:p>
@@ -9181,13 +9181,20 @@
               <a:t>												           </a:t>
             </a:r>
             <a:r>
+              <a:rPr lang="en-US" dirty="0" smtClean="0"/>
+              <a:t>						</a:t>
+            </a:r>
+            <a:r>
               <a:rPr lang="en-US" b="1" dirty="0" smtClean="0">
                 <a:solidFill>
                   <a:schemeClr val="accent5"/>
                 </a:solidFill>
               </a:rPr>
-              <a:t>BOS</a:t>
-            </a:r>
+              <a:t>Balance of systems</a:t>
+            </a:r>
+          </a:p>
+          <a:p>
+            <a:pPr algn="ctr"/>
             <a:endParaRPr lang="en-US" b="1" dirty="0">
               <a:solidFill>
                 <a:schemeClr val="accent5"/>
@@ -9418,7 +9425,7 @@
         </p:nvCxnSpPr>
         <p:spPr>
           <a:xfrm>
-            <a:off x="698846" y="3807375"/>
+            <a:off x="712701" y="3807375"/>
             <a:ext cx="9900000" cy="0"/>
           </a:xfrm>
           <a:prstGeom prst="line">

--- a/elsarticle/Images/Flowchart.pptx
+++ b/elsarticle/Images/Flowchart.pptx
@@ -109,7 +109,7 @@
   </p:defaultTextStyle>
   <p:extLst>
     <p:ext uri="{EFAFB233-063F-42B5-8137-9DF3F51BA10A}">
-      <p15:sldGuideLst xmlns:p15="http://schemas.microsoft.com/office/powerpoint/2012/main"/>
+      <p15:sldGuideLst xmlns:p15="http://schemas.microsoft.com/office/powerpoint/2012/main" xmlns=""/>
     </p:ext>
   </p:extLst>
 </p:presentation>
@@ -246,7 +246,7 @@
           <a:p>
             <a:fld id="{BBFE1BF1-1BF0-2D42-A01C-EF5FB790A6FA}" type="datetimeFigureOut">
               <a:rPr lang="en-US" smtClean="0"/>
-              <a:t>11/30/15</a:t>
+              <a:t>30/11/15</a:t>
             </a:fld>
             <a:endParaRPr lang="en-US"/>
           </a:p>
@@ -416,7 +416,7 @@
           <a:p>
             <a:fld id="{BBFE1BF1-1BF0-2D42-A01C-EF5FB790A6FA}" type="datetimeFigureOut">
               <a:rPr lang="en-US" smtClean="0"/>
-              <a:t>11/30/15</a:t>
+              <a:t>30/11/15</a:t>
             </a:fld>
             <a:endParaRPr lang="en-US"/>
           </a:p>
@@ -596,7 +596,7 @@
           <a:p>
             <a:fld id="{BBFE1BF1-1BF0-2D42-A01C-EF5FB790A6FA}" type="datetimeFigureOut">
               <a:rPr lang="en-US" smtClean="0"/>
-              <a:t>11/30/15</a:t>
+              <a:t>30/11/15</a:t>
             </a:fld>
             <a:endParaRPr lang="en-US"/>
           </a:p>
@@ -766,7 +766,7 @@
           <a:p>
             <a:fld id="{BBFE1BF1-1BF0-2D42-A01C-EF5FB790A6FA}" type="datetimeFigureOut">
               <a:rPr lang="en-US" smtClean="0"/>
-              <a:t>11/30/15</a:t>
+              <a:t>30/11/15</a:t>
             </a:fld>
             <a:endParaRPr lang="en-US"/>
           </a:p>
@@ -1012,7 +1012,7 @@
           <a:p>
             <a:fld id="{BBFE1BF1-1BF0-2D42-A01C-EF5FB790A6FA}" type="datetimeFigureOut">
               <a:rPr lang="en-US" smtClean="0"/>
-              <a:t>11/30/15</a:t>
+              <a:t>30/11/15</a:t>
             </a:fld>
             <a:endParaRPr lang="en-US"/>
           </a:p>
@@ -1244,7 +1244,7 @@
           <a:p>
             <a:fld id="{BBFE1BF1-1BF0-2D42-A01C-EF5FB790A6FA}" type="datetimeFigureOut">
               <a:rPr lang="en-US" smtClean="0"/>
-              <a:t>11/30/15</a:t>
+              <a:t>30/11/15</a:t>
             </a:fld>
             <a:endParaRPr lang="en-US"/>
           </a:p>
@@ -1611,7 +1611,7 @@
           <a:p>
             <a:fld id="{BBFE1BF1-1BF0-2D42-A01C-EF5FB790A6FA}" type="datetimeFigureOut">
               <a:rPr lang="en-US" smtClean="0"/>
-              <a:t>11/30/15</a:t>
+              <a:t>30/11/15</a:t>
             </a:fld>
             <a:endParaRPr lang="en-US"/>
           </a:p>
@@ -1729,7 +1729,7 @@
           <a:p>
             <a:fld id="{BBFE1BF1-1BF0-2D42-A01C-EF5FB790A6FA}" type="datetimeFigureOut">
               <a:rPr lang="en-US" smtClean="0"/>
-              <a:t>11/30/15</a:t>
+              <a:t>30/11/15</a:t>
             </a:fld>
             <a:endParaRPr lang="en-US"/>
           </a:p>
@@ -1824,7 +1824,7 @@
           <a:p>
             <a:fld id="{BBFE1BF1-1BF0-2D42-A01C-EF5FB790A6FA}" type="datetimeFigureOut">
               <a:rPr lang="en-US" smtClean="0"/>
-              <a:t>11/30/15</a:t>
+              <a:t>30/11/15</a:t>
             </a:fld>
             <a:endParaRPr lang="en-US"/>
           </a:p>
@@ -2101,7 +2101,7 @@
           <a:p>
             <a:fld id="{BBFE1BF1-1BF0-2D42-A01C-EF5FB790A6FA}" type="datetimeFigureOut">
               <a:rPr lang="en-US" smtClean="0"/>
-              <a:t>11/30/15</a:t>
+              <a:t>30/11/15</a:t>
             </a:fld>
             <a:endParaRPr lang="en-US"/>
           </a:p>
@@ -2354,7 +2354,7 @@
           <a:p>
             <a:fld id="{BBFE1BF1-1BF0-2D42-A01C-EF5FB790A6FA}" type="datetimeFigureOut">
               <a:rPr lang="en-US" smtClean="0"/>
-              <a:t>11/30/15</a:t>
+              <a:t>30/11/15</a:t>
             </a:fld>
             <a:endParaRPr lang="en-US"/>
           </a:p>
@@ -2567,7 +2567,7 @@
           <a:p>
             <a:fld id="{BBFE1BF1-1BF0-2D42-A01C-EF5FB790A6FA}" type="datetimeFigureOut">
               <a:rPr lang="en-US" smtClean="0"/>
-              <a:t>11/30/15</a:t>
+              <a:t>30/11/15</a:t>
             </a:fld>
             <a:endParaRPr lang="en-US"/>
           </a:p>
@@ -5218,7 +5218,7 @@
   <p:timing>
     <p:tnLst>
       <p:par>
-        <p:cTn id="1" dur="indefinite" restart="never" nodeType="tmRoot"/>
+        <p:cTn xmlns:p14="http://schemas.microsoft.com/office/powerpoint/2010/main" id="1" dur="indefinite" restart="never" nodeType="tmRoot"/>
       </p:par>
     </p:tnLst>
   </p:timing>
@@ -6983,7 +6983,7 @@
   <p:timing>
     <p:tnLst>
       <p:par>
-        <p:cTn id="1" dur="indefinite" restart="never" nodeType="tmRoot"/>
+        <p:cTn xmlns:p14="http://schemas.microsoft.com/office/powerpoint/2010/main" id="1" dur="indefinite" restart="never" nodeType="tmRoot"/>
       </p:par>
     </p:tnLst>
   </p:timing>
@@ -8831,7 +8831,7 @@
   <p:timing>
     <p:tnLst>
       <p:par>
-        <p:cTn id="1" dur="indefinite" restart="never" nodeType="tmRoot"/>
+        <p:cTn xmlns:p14="http://schemas.microsoft.com/office/powerpoint/2010/main" id="1" dur="indefinite" restart="never" nodeType="tmRoot"/>
       </p:par>
     </p:tnLst>
   </p:timing>
@@ -9171,18 +9171,14 @@
             </a:r>
           </a:p>
           <a:p>
-            <a:pPr algn="ctr"/>
+            <a:pPr algn="r"/>
             <a:r>
               <a:rPr lang="en-US" dirty="0"/>
               <a:t>	</a:t>
             </a:r>
             <a:r>
               <a:rPr lang="en-US" dirty="0" smtClean="0"/>
-              <a:t>												           </a:t>
-            </a:r>
-            <a:r>
-              <a:rPr lang="en-US" dirty="0" smtClean="0"/>
-              <a:t>						</a:t>
+              <a:t>												           						</a:t>
             </a:r>
             <a:r>
               <a:rPr lang="en-US" b="1" dirty="0" smtClean="0">
@@ -9190,8 +9186,21 @@
                   <a:schemeClr val="accent5"/>
                 </a:solidFill>
               </a:rPr>
-              <a:t>Balance of systems</a:t>
-            </a:r>
+              <a:t>Balance of </a:t>
+            </a:r>
+            <a:r>
+              <a:rPr lang="en-US" b="1" dirty="0" smtClean="0">
+                <a:solidFill>
+                  <a:schemeClr val="accent5"/>
+                </a:solidFill>
+              </a:rPr>
+              <a:t>systems (BOS)</a:t>
+            </a:r>
+            <a:endParaRPr lang="en-US" b="1" dirty="0" smtClean="0">
+              <a:solidFill>
+                <a:schemeClr val="accent5"/>
+              </a:solidFill>
+            </a:endParaRPr>
           </a:p>
           <a:p>
             <a:pPr algn="ctr"/>
@@ -10202,7 +10211,7 @@
         <p:spPr>
           <a:xfrm>
             <a:off x="670393" y="6117784"/>
-            <a:ext cx="1112108" cy="369332"/>
+            <a:ext cx="1386824" cy="369332"/>
           </a:xfrm>
           <a:prstGeom prst="rect">
             <a:avLst/>
@@ -10232,7 +10241,7 @@
         <p:spPr>
           <a:xfrm>
             <a:off x="670393" y="3819732"/>
-            <a:ext cx="1386829" cy="369332"/>
+            <a:ext cx="1529862" cy="369332"/>
           </a:xfrm>
           <a:prstGeom prst="rect">
             <a:avLst/>
@@ -10246,8 +10255,8 @@
           <a:lstStyle/>
           <a:p>
             <a:r>
-              <a:rPr lang="en-US" b="1" smtClean="0"/>
-              <a:t>Operational</a:t>
+              <a:rPr lang="en-US" b="1" dirty="0" smtClean="0"/>
+              <a:t>Operational </a:t>
             </a:r>
             <a:endParaRPr lang="en-US" b="1" dirty="0"/>
           </a:p>
@@ -10276,7 +10285,7 @@
           <a:lstStyle/>
           <a:p>
             <a:r>
-              <a:rPr lang="en-US" b="1" smtClean="0"/>
+              <a:rPr lang="en-US" b="1" dirty="0" smtClean="0"/>
               <a:t>Embodied</a:t>
             </a:r>
             <a:endParaRPr lang="en-US" b="1" dirty="0"/>
@@ -10596,7 +10605,7 @@
   <p:timing>
     <p:tnLst>
       <p:par>
-        <p:cTn id="1" dur="indefinite" restart="never" nodeType="tmRoot"/>
+        <p:cTn xmlns:p14="http://schemas.microsoft.com/office/powerpoint/2010/main" id="1" dur="indefinite" restart="never" nodeType="tmRoot"/>
       </p:par>
     </p:tnLst>
   </p:timing>
@@ -10646,7 +10655,7 @@
     </a:clrScheme>
     <a:fontScheme name="Office">
       <a:majorFont>
-        <a:latin typeface="Calibri Light" panose="020F0302020204030204"/>
+        <a:latin typeface="Calibri Light"/>
         <a:ea typeface=""/>
         <a:cs typeface=""/>
         <a:font script="Jpan" typeface="ＭＳ Ｐゴシック"/>
@@ -10681,7 +10690,7 @@
         <a:font script="Geor" typeface="Sylfaen"/>
       </a:majorFont>
       <a:minorFont>
-        <a:latin typeface="Calibri" panose="020F0502020204030204"/>
+        <a:latin typeface="Calibri"/>
         <a:ea typeface=""/>
         <a:cs typeface=""/>
         <a:font script="Jpan" typeface="ＭＳ Ｐゴシック"/>
@@ -10858,7 +10867,7 @@
   <a:extraClrSchemeLst/>
   <a:extLst>
     <a:ext uri="{05A4C25C-085E-4340-85A3-A5531E510DB2}">
-      <thm15:themeFamily xmlns:thm15="http://schemas.microsoft.com/office/thememl/2012/main" name="Office Theme" id="{62F939B6-93AF-4DB8-9C6B-D6C7DFDC589F}" vid="{4A3C46E8-61CC-4603-A589-7422A47A8E4A}"/>
+      <thm15:themeFamily xmlns:thm15="http://schemas.microsoft.com/office/thememl/2012/main" xmlns="" name="Office Theme" id="{62F939B6-93AF-4DB8-9C6B-D6C7DFDC589F}" vid="{4A3C46E8-61CC-4603-A589-7422A47A8E4A}"/>
     </a:ext>
   </a:extLst>
 </a:theme>
